--- a/attendance/200-pages-wala-assignment/Deepankar@200_assignment.pptx
+++ b/attendance/200-pages-wala-assignment/Deepankar@200_assignment.pptx
@@ -6804,7 +6804,7 @@
         </p:nvSpPr>
         <p:spPr>
           <a:xfrm rot="6360000">
-            <a:off x="5611813" y="1797050"/>
+            <a:off x="6084888" y="1789430"/>
             <a:ext cx="260350" cy="225425"/>
           </a:xfrm>
           <a:prstGeom prst="triangle">
@@ -7598,7 +7598,7 @@
     <p:bldLst>
       <p:bldP spid="24579" grpId="0"/>
       <p:bldP spid="3" grpId="0" animBg="1"/>
-      <p:bldP spid="7" grpId="0" animBg="1"/>
+      <p:bldP spid="7" grpId="0" bldLvl="0" animBg="1"/>
       <p:bldP spid="5" grpId="0" animBg="1"/>
       <p:bldP spid="4" grpId="0" animBg="1"/>
       <p:bldP spid="2" grpId="0" animBg="1"/>
